--- a/Projektna_Powerpoint.pptx
+++ b/Projektna_Powerpoint.pptx
@@ -112,6 +112,11 @@
       </a:defRPr>
     </a:lvl9pPr>
   </p:defaultTextStyle>
+  <p:extLst>
+    <p:ext uri="{EFAFB233-063F-42B5-8137-9DF3F51BA10A}">
+      <p15:sldGuideLst xmlns:p15="http://schemas.microsoft.com/office/powerpoint/2012/main"/>
+    </p:ext>
+  </p:extLst>
 </p:presentation>
 </file>
 
@@ -13359,8 +13364,8 @@
         </p:nvSpPr>
         <p:spPr>
           <a:xfrm>
-            <a:off x="1393638" y="2518528"/>
-            <a:ext cx="9404723" cy="1820943"/>
+            <a:off x="992423" y="2269250"/>
+            <a:ext cx="6164158" cy="1820943"/>
           </a:xfrm>
         </p:spPr>
         <p:txBody>
@@ -13369,7 +13374,7 @@
           <a:p>
             <a:pPr algn="ctr"/>
             <a:r>
-              <a:rPr lang="sl-SI" sz="6000"/>
+              <a:rPr lang="sl-SI" sz="6000" dirty="0"/>
               <a:t>HVALA ZA VAŠO POZORNOST</a:t>
             </a:r>
           </a:p>
@@ -13377,72 +13382,38 @@
       </p:sp>
       <p:pic>
         <p:nvPicPr>
-          <p:cNvPr id="1028" name="Picture 4" descr="Smiley Thumbs Up Gif GIFs | Tenor">
+          <p:cNvPr id="4" name="Slika 3">
             <a:extLst>
               <a:ext uri="{FF2B5EF4-FFF2-40B4-BE49-F238E27FC236}">
-                <a16:creationId xmlns:a16="http://schemas.microsoft.com/office/drawing/2014/main" id="{96DC9846-8EDE-66C0-29D6-70D373389EF1}"/>
+                <a16:creationId xmlns:a16="http://schemas.microsoft.com/office/drawing/2014/main" id="{1C8A7D79-163C-AA52-5B2E-9BA4A37E8084}"/>
               </a:ext>
             </a:extLst>
           </p:cNvPr>
           <p:cNvPicPr>
-            <a:picLocks noChangeAspect="1" noChangeArrowheads="1"/>
+            <a:picLocks noChangeAspect="1"/>
           </p:cNvPicPr>
           <p:nvPr/>
         </p:nvPicPr>
         <p:blipFill>
           <a:blip r:embed="rId2">
             <a:extLst>
-              <a:ext uri="{BEBA8EAE-BF5A-486C-A8C5-ECC9F3942E4B}">
-                <a14:imgProps xmlns:a14="http://schemas.microsoft.com/office/drawing/2010/main">
-                  <a14:imgLayer r:embed="rId3">
-                    <a14:imgEffect>
-                      <a14:backgroundRemoval t="0" b="90594" l="1364" r="96364">
-                        <a14:foregroundMark x1="38182" y1="8416" x2="60909" y2="7921"/>
-                        <a14:foregroundMark x1="45455" y1="3960" x2="51818" y2="2970"/>
-                        <a14:foregroundMark x1="7273" y1="34653" x2="10909" y2="22277"/>
-                        <a14:foregroundMark x1="10000" y1="37129" x2="13182" y2="40099"/>
-                        <a14:foregroundMark x1="5455" y1="40594" x2="8636" y2="44554"/>
-                        <a14:foregroundMark x1="5455" y1="46535" x2="7727" y2="48020"/>
-                        <a14:foregroundMark x1="1818" y1="46535" x2="1818" y2="46535"/>
-                        <a14:foregroundMark x1="2727" y1="45050" x2="2727" y2="45050"/>
-                        <a14:foregroundMark x1="88636" y1="74752" x2="86818" y2="72772"/>
-                        <a14:foregroundMark x1="91818" y1="78218" x2="90000" y2="72277"/>
-                        <a14:foregroundMark x1="96818" y1="77723" x2="93636" y2="80693"/>
-                        <a14:foregroundMark x1="92273" y1="90594" x2="88182" y2="89604"/>
-                        <a14:foregroundMark x1="42273" y1="55446" x2="59091" y2="60891"/>
-                      </a14:backgroundRemoval>
-                    </a14:imgEffect>
-                  </a14:imgLayer>
-                </a14:imgProps>
-              </a:ext>
               <a:ext uri="{28A0092B-C50C-407E-A947-70E740481C1C}">
                 <a14:useLocalDpi xmlns:a14="http://schemas.microsoft.com/office/drawing/2010/main" val="0"/>
               </a:ext>
             </a:extLst>
           </a:blip>
-          <a:srcRect/>
           <a:stretch>
             <a:fillRect/>
           </a:stretch>
         </p:blipFill>
-        <p:spPr bwMode="auto">
+        <p:spPr>
           <a:xfrm>
-            <a:off x="1103298" y="4339471"/>
-            <a:ext cx="2427554" cy="2228936"/>
+            <a:off x="7399175" y="1952061"/>
+            <a:ext cx="3492491" cy="3492491"/>
           </a:xfrm>
           <a:prstGeom prst="rect">
             <a:avLst/>
           </a:prstGeom>
-          <a:noFill/>
-          <a:extLst>
-            <a:ext uri="{909E8E84-426E-40DD-AFC4-6F175D3DCCD1}">
-              <a14:hiddenFill xmlns:a14="http://schemas.microsoft.com/office/drawing/2010/main">
-                <a:solidFill>
-                  <a:srgbClr val="FFFFFF"/>
-                </a:solidFill>
-              </a14:hiddenFill>
-            </a:ext>
-          </a:extLst>
         </p:spPr>
       </p:pic>
     </p:spTree>
@@ -13455,6 +13426,130 @@
   <p:clrMapOvr>
     <a:masterClrMapping/>
   </p:clrMapOvr>
+  <p:timing>
+    <p:tnLst>
+      <p:par>
+        <p:cTn id="1" dur="indefinite" restart="never" nodeType="tmRoot">
+          <p:childTnLst>
+            <p:seq concurrent="1" nextAc="seek">
+              <p:cTn id="2" dur="indefinite" nodeType="mainSeq">
+                <p:childTnLst>
+                  <p:par>
+                    <p:cTn id="3" fill="hold">
+                      <p:stCondLst>
+                        <p:cond delay="indefinite"/>
+                        <p:cond evt="onBegin" delay="0">
+                          <p:tn val="2"/>
+                        </p:cond>
+                      </p:stCondLst>
+                      <p:childTnLst>
+                        <p:par>
+                          <p:cTn id="4" fill="hold">
+                            <p:stCondLst>
+                              <p:cond delay="0"/>
+                            </p:stCondLst>
+                            <p:childTnLst>
+                              <p:par>
+                                <p:cTn id="5" presetID="10" presetClass="entr" presetSubtype="0" fill="hold" grpId="0" nodeType="withEffect">
+                                  <p:stCondLst>
+                                    <p:cond delay="0"/>
+                                  </p:stCondLst>
+                                  <p:childTnLst>
+                                    <p:set>
+                                      <p:cBhvr>
+                                        <p:cTn id="6" dur="1" fill="hold">
+                                          <p:stCondLst>
+                                            <p:cond delay="0"/>
+                                          </p:stCondLst>
+                                        </p:cTn>
+                                        <p:tgtEl>
+                                          <p:spTgt spid="2"/>
+                                        </p:tgtEl>
+                                        <p:attrNameLst>
+                                          <p:attrName>style.visibility</p:attrName>
+                                        </p:attrNameLst>
+                                      </p:cBhvr>
+                                      <p:to>
+                                        <p:strVal val="visible"/>
+                                      </p:to>
+                                    </p:set>
+                                    <p:animEffect transition="in" filter="fade">
+                                      <p:cBhvr>
+                                        <p:cTn id="7" dur="500"/>
+                                        <p:tgtEl>
+                                          <p:spTgt spid="2"/>
+                                        </p:tgtEl>
+                                      </p:cBhvr>
+                                    </p:animEffect>
+                                  </p:childTnLst>
+                                </p:cTn>
+                              </p:par>
+                              <p:par>
+                                <p:cTn id="8" presetID="10" presetClass="entr" presetSubtype="0" fill="hold" nodeType="withEffect">
+                                  <p:stCondLst>
+                                    <p:cond delay="0"/>
+                                  </p:stCondLst>
+                                  <p:childTnLst>
+                                    <p:set>
+                                      <p:cBhvr>
+                                        <p:cTn id="9" dur="1" fill="hold">
+                                          <p:stCondLst>
+                                            <p:cond delay="0"/>
+                                          </p:stCondLst>
+                                        </p:cTn>
+                                        <p:tgtEl>
+                                          <p:spTgt spid="4"/>
+                                        </p:tgtEl>
+                                        <p:attrNameLst>
+                                          <p:attrName>style.visibility</p:attrName>
+                                        </p:attrNameLst>
+                                      </p:cBhvr>
+                                      <p:to>
+                                        <p:strVal val="visible"/>
+                                      </p:to>
+                                    </p:set>
+                                    <p:animEffect transition="in" filter="fade">
+                                      <p:cBhvr>
+                                        <p:cTn id="10" dur="500"/>
+                                        <p:tgtEl>
+                                          <p:spTgt spid="4"/>
+                                        </p:tgtEl>
+                                      </p:cBhvr>
+                                    </p:animEffect>
+                                  </p:childTnLst>
+                                </p:cTn>
+                              </p:par>
+                            </p:childTnLst>
+                          </p:cTn>
+                        </p:par>
+                      </p:childTnLst>
+                    </p:cTn>
+                  </p:par>
+                </p:childTnLst>
+              </p:cTn>
+              <p:prevCondLst>
+                <p:cond evt="onPrev" delay="0">
+                  <p:tgtEl>
+                    <p:sldTgt/>
+                  </p:tgtEl>
+                </p:cond>
+              </p:prevCondLst>
+              <p:nextCondLst>
+                <p:cond evt="onNext" delay="0">
+                  <p:tgtEl>
+                    <p:sldTgt/>
+                  </p:tgtEl>
+                </p:cond>
+              </p:nextCondLst>
+            </p:seq>
+          </p:childTnLst>
+        </p:cTn>
+      </p:par>
+    </p:tnLst>
+    <p:bldLst>
+      <p:bldP spid="2" grpId="0"/>
+    </p:bldLst>
+  </p:timing>
 </p:sld>
 </file>
 

--- a/Projektna_Powerpoint.pptx
+++ b/Projektna_Powerpoint.pptx
@@ -4361,7 +4361,7 @@
           <a:p>
             <a:fld id="{E31BA835-12AC-4E8F-955A-EA3F4DE2791F}" type="datetime1">
               <a:rPr lang="en-US" smtClean="0"/>
-              <a:t>5/27/2025</a:t>
+              <a:t>5/28/2025</a:t>
             </a:fld>
             <a:endParaRPr lang="en-US"/>
           </a:p>
@@ -4637,7 +4637,7 @@
           <a:p>
             <a:fld id="{E31BA835-12AC-4E8F-955A-EA3F4DE2791F}" type="datetime1">
               <a:rPr lang="en-US" smtClean="0"/>
-              <a:t>5/27/2025</a:t>
+              <a:t>5/28/2025</a:t>
             </a:fld>
             <a:endParaRPr lang="en-US"/>
           </a:p>
@@ -4832,7 +4832,7 @@
           <a:p>
             <a:fld id="{E31BA835-12AC-4E8F-955A-EA3F4DE2791F}" type="datetime1">
               <a:rPr lang="en-US" smtClean="0"/>
-              <a:t>5/27/2025</a:t>
+              <a:t>5/28/2025</a:t>
             </a:fld>
             <a:endParaRPr lang="en-US"/>
           </a:p>
@@ -5106,7 +5106,7 @@
           <a:p>
             <a:fld id="{E31BA835-12AC-4E8F-955A-EA3F4DE2791F}" type="datetime1">
               <a:rPr lang="en-US" smtClean="0"/>
-              <a:t>5/27/2025</a:t>
+              <a:t>5/28/2025</a:t>
             </a:fld>
             <a:endParaRPr lang="en-US"/>
           </a:p>
@@ -5448,7 +5448,7 @@
           <a:p>
             <a:fld id="{E31BA835-12AC-4E8F-955A-EA3F4DE2791F}" type="datetime1">
               <a:rPr lang="en-US" smtClean="0"/>
-              <a:t>5/27/2025</a:t>
+              <a:t>5/28/2025</a:t>
             </a:fld>
             <a:endParaRPr lang="en-US"/>
           </a:p>
@@ -6072,7 +6072,7 @@
           <a:p>
             <a:fld id="{E31BA835-12AC-4E8F-955A-EA3F4DE2791F}" type="datetime1">
               <a:rPr lang="en-US" smtClean="0"/>
-              <a:t>5/27/2025</a:t>
+              <a:t>5/28/2025</a:t>
             </a:fld>
             <a:endParaRPr lang="en-US"/>
           </a:p>
@@ -6933,7 +6933,7 @@
           <a:p>
             <a:fld id="{E31BA835-12AC-4E8F-955A-EA3F4DE2791F}" type="datetime1">
               <a:rPr lang="en-US" smtClean="0"/>
-              <a:t>5/27/2025</a:t>
+              <a:t>5/28/2025</a:t>
             </a:fld>
             <a:endParaRPr lang="en-US"/>
           </a:p>
@@ -7104,7 +7104,7 @@
           <a:p>
             <a:fld id="{E31BA835-12AC-4E8F-955A-EA3F4DE2791F}" type="datetime1">
               <a:rPr lang="en-US" smtClean="0"/>
-              <a:t>5/27/2025</a:t>
+              <a:t>5/28/2025</a:t>
             </a:fld>
             <a:endParaRPr lang="en-US"/>
           </a:p>
@@ -7285,7 +7285,7 @@
           <a:p>
             <a:fld id="{E31BA835-12AC-4E8F-955A-EA3F4DE2791F}" type="datetime1">
               <a:rPr lang="en-US" smtClean="0"/>
-              <a:t>5/27/2025</a:t>
+              <a:t>5/28/2025</a:t>
             </a:fld>
             <a:endParaRPr lang="en-US"/>
           </a:p>
@@ -7456,7 +7456,7 @@
           <a:p>
             <a:fld id="{E31BA835-12AC-4E8F-955A-EA3F4DE2791F}" type="datetime1">
               <a:rPr lang="en-US" smtClean="0"/>
-              <a:t>5/27/2025</a:t>
+              <a:t>5/28/2025</a:t>
             </a:fld>
             <a:endParaRPr lang="en-US"/>
           </a:p>
@@ -7704,7 +7704,7 @@
           <a:p>
             <a:fld id="{E31BA835-12AC-4E8F-955A-EA3F4DE2791F}" type="datetime1">
               <a:rPr lang="en-US" smtClean="0"/>
-              <a:t>5/27/2025</a:t>
+              <a:t>5/28/2025</a:t>
             </a:fld>
             <a:endParaRPr lang="en-US"/>
           </a:p>
@@ -7997,7 +7997,7 @@
           <a:p>
             <a:fld id="{E31BA835-12AC-4E8F-955A-EA3F4DE2791F}" type="datetime1">
               <a:rPr lang="en-US" smtClean="0"/>
-              <a:t>5/27/2025</a:t>
+              <a:t>5/28/2025</a:t>
             </a:fld>
             <a:endParaRPr lang="en-US"/>
           </a:p>
@@ -8442,7 +8442,7 @@
           <a:p>
             <a:fld id="{E31BA835-12AC-4E8F-955A-EA3F4DE2791F}" type="datetime1">
               <a:rPr lang="en-US" smtClean="0"/>
-              <a:t>5/27/2025</a:t>
+              <a:t>5/28/2025</a:t>
             </a:fld>
             <a:endParaRPr lang="en-US"/>
           </a:p>
@@ -8561,7 +8561,7 @@
           <a:p>
             <a:fld id="{E31BA835-12AC-4E8F-955A-EA3F4DE2791F}" type="datetime1">
               <a:rPr lang="en-US" smtClean="0"/>
-              <a:t>5/27/2025</a:t>
+              <a:t>5/28/2025</a:t>
             </a:fld>
             <a:endParaRPr lang="en-US"/>
           </a:p>
@@ -8657,7 +8657,7 @@
           <a:p>
             <a:fld id="{E31BA835-12AC-4E8F-955A-EA3F4DE2791F}" type="datetime1">
               <a:rPr lang="en-US" smtClean="0"/>
-              <a:t>5/27/2025</a:t>
+              <a:t>5/28/2025</a:t>
             </a:fld>
             <a:endParaRPr lang="en-US"/>
           </a:p>
@@ -8937,7 +8937,7 @@
           <a:p>
             <a:fld id="{E31BA835-12AC-4E8F-955A-EA3F4DE2791F}" type="datetime1">
               <a:rPr lang="en-US" smtClean="0"/>
-              <a:t>5/27/2025</a:t>
+              <a:t>5/28/2025</a:t>
             </a:fld>
             <a:endParaRPr lang="en-US"/>
           </a:p>
@@ -9213,7 +9213,7 @@
           <a:p>
             <a:fld id="{E31BA835-12AC-4E8F-955A-EA3F4DE2791F}" type="datetime1">
               <a:rPr lang="en-US" smtClean="0"/>
-              <a:t>5/27/2025</a:t>
+              <a:t>5/28/2025</a:t>
             </a:fld>
             <a:endParaRPr lang="en-US"/>
           </a:p>
@@ -9643,7 +9643,7 @@
           <a:p>
             <a:fld id="{E31BA835-12AC-4E8F-955A-EA3F4DE2791F}" type="datetime1">
               <a:rPr lang="en-US" smtClean="0"/>
-              <a:t>5/27/2025</a:t>
+              <a:t>5/28/2025</a:t>
             </a:fld>
             <a:endParaRPr lang="en-US"/>
           </a:p>
@@ -13364,8 +13364,8 @@
         </p:nvSpPr>
         <p:spPr>
           <a:xfrm>
-            <a:off x="992423" y="2269250"/>
-            <a:ext cx="6164158" cy="1820943"/>
+            <a:off x="1982090" y="2407613"/>
+            <a:ext cx="8227820" cy="3046821"/>
           </a:xfrm>
         </p:spPr>
         <p:txBody>
@@ -13380,42 +13380,6 @@
           </a:p>
         </p:txBody>
       </p:sp>
-      <p:pic>
-        <p:nvPicPr>
-          <p:cNvPr id="4" name="Slika 3">
-            <a:extLst>
-              <a:ext uri="{FF2B5EF4-FFF2-40B4-BE49-F238E27FC236}">
-                <a16:creationId xmlns:a16="http://schemas.microsoft.com/office/drawing/2014/main" id="{1C8A7D79-163C-AA52-5B2E-9BA4A37E8084}"/>
-              </a:ext>
-            </a:extLst>
-          </p:cNvPr>
-          <p:cNvPicPr>
-            <a:picLocks noChangeAspect="1"/>
-          </p:cNvPicPr>
-          <p:nvPr/>
-        </p:nvPicPr>
-        <p:blipFill>
-          <a:blip r:embed="rId2">
-            <a:extLst>
-              <a:ext uri="{28A0092B-C50C-407E-A947-70E740481C1C}">
-                <a14:useLocalDpi xmlns:a14="http://schemas.microsoft.com/office/drawing/2010/main" val="0"/>
-              </a:ext>
-            </a:extLst>
-          </a:blip>
-          <a:stretch>
-            <a:fillRect/>
-          </a:stretch>
-        </p:blipFill>
-        <p:spPr>
-          <a:xfrm>
-            <a:off x="7399175" y="1952061"/>
-            <a:ext cx="3492491" cy="3492491"/>
-          </a:xfrm>
-          <a:prstGeom prst="rect">
-            <a:avLst/>
-          </a:prstGeom>
-        </p:spPr>
-      </p:pic>
     </p:spTree>
     <p:extLst>
       <p:ext uri="{BB962C8B-B14F-4D97-AF65-F5344CB8AC3E}">
@@ -13478,41 +13442,6 @@
                                         <p:cTn id="7" dur="500"/>
                                         <p:tgtEl>
                                           <p:spTgt spid="2"/>
-                                        </p:tgtEl>
-                                      </p:cBhvr>
-                                    </p:animEffect>
-                                  </p:childTnLst>
-                                </p:cTn>
-                              </p:par>
-                              <p:par>
-                                <p:cTn id="8" presetID="10" presetClass="entr" presetSubtype="0" fill="hold" nodeType="withEffect">
-                                  <p:stCondLst>
-                                    <p:cond delay="0"/>
-                                  </p:stCondLst>
-                                  <p:childTnLst>
-                                    <p:set>
-                                      <p:cBhvr>
-                                        <p:cTn id="9" dur="1" fill="hold">
-                                          <p:stCondLst>
-                                            <p:cond delay="0"/>
-                                          </p:stCondLst>
-                                        </p:cTn>
-                                        <p:tgtEl>
-                                          <p:spTgt spid="4"/>
-                                        </p:tgtEl>
-                                        <p:attrNameLst>
-                                          <p:attrName>style.visibility</p:attrName>
-                                        </p:attrNameLst>
-                                      </p:cBhvr>
-                                      <p:to>
-                                        <p:strVal val="visible"/>
-                                      </p:to>
-                                    </p:set>
-                                    <p:animEffect transition="in" filter="fade">
-                                      <p:cBhvr>
-                                        <p:cTn id="10" dur="500"/>
-                                        <p:tgtEl>
-                                          <p:spTgt spid="4"/>
                                         </p:tgtEl>
                                       </p:cBhvr>
                                     </p:animEffect>
